--- a/Mediator Pattern.pptx
+++ b/Mediator Pattern.pptx
@@ -4183,7 +4183,7 @@
           <a:lstStyle/>
           <a:p>
             <a:r>
-              <a:rPr lang="da-DK"/>
+              <a:rPr lang="da-DK" dirty="0"/>
               <a:t>Demo</a:t>
             </a:r>
           </a:p>
